--- a/Documents/Software Architecture Final Project.pptx
+++ b/Documents/Software Architecture Final Project.pptx
@@ -129,6 +129,11 @@
       </a:defRPr>
     </a:lvl9pPr>
   </p:defaultTextStyle>
+  <p:extLst>
+    <p:ext uri="{EFAFB233-063F-42B5-8137-9DF3F51BA10A}">
+      <p15:sldGuideLst xmlns:p15="http://schemas.microsoft.com/office/powerpoint/2012/main"/>
+    </p:ext>
+  </p:extLst>
 </p:presentation>
 </file>
 
@@ -358,7 +363,7 @@
           <a:p>
             <a:fld id="{4BDF68E2-58F2-4D09-BE8B-E3BD06533059}" type="datetimeFigureOut">
               <a:rPr lang="en-US" smtClean="0"/>
-              <a:t>5/18/2022</a:t>
+              <a:t>5/19/2022</a:t>
             </a:fld>
             <a:endParaRPr lang="en-US" dirty="0"/>
           </a:p>
@@ -566,7 +571,7 @@
           <a:p>
             <a:fld id="{2E2D6473-DF6D-4702-B328-E0DD40540A4E}" type="datetimeFigureOut">
               <a:rPr lang="en-US" smtClean="0"/>
-              <a:t>5/18/2022</a:t>
+              <a:t>5/19/2022</a:t>
             </a:fld>
             <a:endParaRPr lang="en-US" dirty="0"/>
           </a:p>
@@ -822,7 +827,7 @@
           <a:p>
             <a:fld id="{E26F7E3A-B166-407D-9866-32884E7D5B37}" type="datetimeFigureOut">
               <a:rPr lang="en-US" smtClean="0"/>
-              <a:t>5/18/2022</a:t>
+              <a:t>5/19/2022</a:t>
             </a:fld>
             <a:endParaRPr lang="en-US" dirty="0"/>
           </a:p>
@@ -992,7 +997,7 @@
           <a:p>
             <a:fld id="{528FC5F6-F338-4AE4-BB23-26385BCFC423}" type="datetimeFigureOut">
               <a:rPr lang="en-US" smtClean="0"/>
-              <a:t>5/18/2022</a:t>
+              <a:t>5/19/2022</a:t>
             </a:fld>
             <a:endParaRPr lang="en-US" dirty="0"/>
           </a:p>
@@ -1335,7 +1340,7 @@
           <a:p>
             <a:fld id="{20EBB0C4-6273-4C6E-B9BD-2EDC30F1CD52}" type="datetimeFigureOut">
               <a:rPr lang="en-US" smtClean="0"/>
-              <a:t>5/18/2022</a:t>
+              <a:t>5/19/2022</a:t>
             </a:fld>
             <a:endParaRPr lang="en-US" dirty="0"/>
           </a:p>
@@ -1610,7 +1615,7 @@
           <a:p>
             <a:fld id="{19AB4D41-86C1-4908-B66A-0B50CEB3BF29}" type="datetimeFigureOut">
               <a:rPr lang="en-US" smtClean="0"/>
-              <a:t>5/18/2022</a:t>
+              <a:t>5/19/2022</a:t>
             </a:fld>
             <a:endParaRPr lang="en-US" dirty="0"/>
           </a:p>
@@ -1989,7 +1994,7 @@
           <a:p>
             <a:fld id="{E6426E2C-56C1-4E0D-A793-0088A7FDD37E}" type="datetimeFigureOut">
               <a:rPr lang="en-US" smtClean="0"/>
-              <a:t>5/18/2022</a:t>
+              <a:t>5/19/2022</a:t>
             </a:fld>
             <a:endParaRPr lang="en-US" dirty="0"/>
           </a:p>
@@ -2107,7 +2112,7 @@
           <a:p>
             <a:fld id="{C8C39B41-D8B5-4052-B551-9B5525EAA8B6}" type="datetimeFigureOut">
               <a:rPr lang="en-US" smtClean="0"/>
-              <a:t>5/18/2022</a:t>
+              <a:t>5/19/2022</a:t>
             </a:fld>
             <a:endParaRPr lang="en-US" dirty="0"/>
           </a:p>
@@ -2278,7 +2283,7 @@
           <a:p>
             <a:fld id="{4D94136C-8742-45B2-AF27-D93DF72833A9}" type="datetimeFigureOut">
               <a:rPr lang="en-US" smtClean="0"/>
-              <a:t>5/18/2022</a:t>
+              <a:t>5/19/2022</a:t>
             </a:fld>
             <a:endParaRPr lang="en-US" dirty="0"/>
           </a:p>
@@ -2633,7 +2638,7 @@
           <a:p>
             <a:fld id="{32ABBEA6-7C60-4B02-AE87-00D78D8422AF}" type="datetimeFigureOut">
               <a:rPr lang="en-US" smtClean="0"/>
-              <a:t>5/18/2022</a:t>
+              <a:t>5/19/2022</a:t>
             </a:fld>
             <a:endParaRPr lang="en-US" dirty="0"/>
           </a:p>
@@ -3011,7 +3016,7 @@
           <a:p>
             <a:fld id="{C9CAD897-D46E-4AD2-BD9B-49DD3E640873}" type="datetimeFigureOut">
               <a:rPr lang="en-US" smtClean="0"/>
-              <a:t>5/18/2022</a:t>
+              <a:t>5/19/2022</a:t>
             </a:fld>
             <a:endParaRPr lang="en-US" dirty="0"/>
           </a:p>
@@ -3298,7 +3303,7 @@
           <a:p>
             <a:fld id="{98624D31-43A5-475A-80CF-332C9F6DCF35}" type="datetimeFigureOut">
               <a:rPr lang="en-US" smtClean="0"/>
-              <a:t>5/18/2022</a:t>
+              <a:t>5/19/2022</a:t>
             </a:fld>
             <a:endParaRPr lang="en-US" dirty="0"/>
           </a:p>
@@ -3926,8 +3931,8 @@
               <a:t>Supervisor: </a:t>
             </a:r>
             <a:r>
-              <a:rPr lang="en-US" b="1" dirty="0" err="1"/>
-              <a:t>SaiMak</a:t>
+              <a:rPr lang="en-US" b="1"/>
+              <a:t>SiAMak</a:t>
             </a:r>
             <a:r>
               <a:rPr lang="en-US" b="1" dirty="0"/>

--- a/Documents/Software Architecture Final Project.pptx
+++ b/Documents/Software Architecture Final Project.pptx
@@ -4367,7 +4367,7 @@
                   <a:srgbClr val="2683C6"/>
                 </a:solidFill>
               </a:rPr>
-              <a:t>Shopping Service</a:t>
+              <a:t>Order Service</a:t>
             </a:r>
           </a:p>
         </p:txBody>
@@ -4387,7 +4387,7 @@
         <p:spPr>
           <a:xfrm>
             <a:off x="8579644" y="1146459"/>
-            <a:ext cx="3007519" cy="2031325"/>
+            <a:ext cx="3007519" cy="1200329"/>
           </a:xfrm>
           <a:prstGeom prst="rect">
             <a:avLst/>
@@ -4416,7 +4416,7 @@
             </a:pPr>
             <a:r>
               <a:rPr lang="en-US" dirty="0"/>
-              <a:t>Add product</a:t>
+              <a:t>Change Quantity</a:t>
             </a:r>
           </a:p>
           <a:p>
@@ -4426,7 +4426,7 @@
             </a:pPr>
             <a:r>
               <a:rPr lang="en-US" dirty="0"/>
-              <a:t>Remove</a:t>
+              <a:t>Calculate</a:t>
             </a:r>
           </a:p>
           <a:p>
@@ -4436,37 +4436,7 @@
             </a:pPr>
             <a:r>
               <a:rPr lang="en-US" dirty="0"/>
-              <a:t>View</a:t>
-            </a:r>
-          </a:p>
-          <a:p>
-            <a:pPr marL="742950" lvl="1" indent="-285750">
-              <a:buFont typeface="Arial" panose="020B0604020202020204" pitchFamily="34" charset="0"/>
-              <a:buChar char="•"/>
-            </a:pPr>
-            <a:r>
-              <a:rPr lang="en-US" dirty="0"/>
-              <a:t>List</a:t>
-            </a:r>
-          </a:p>
-          <a:p>
-            <a:pPr marL="742950" lvl="1" indent="-285750">
-              <a:buFont typeface="Arial" panose="020B0604020202020204" pitchFamily="34" charset="0"/>
-              <a:buChar char="•"/>
-            </a:pPr>
-            <a:r>
-              <a:rPr lang="en-US" dirty="0"/>
-              <a:t>Update product</a:t>
-            </a:r>
-          </a:p>
-          <a:p>
-            <a:pPr marL="742950" lvl="1" indent="-285750">
-              <a:buFont typeface="Arial" panose="020B0604020202020204" pitchFamily="34" charset="0"/>
-              <a:buChar char="•"/>
-            </a:pPr>
-            <a:r>
-              <a:rPr lang="en-US" dirty="0"/>
-              <a:t>Checkout</a:t>
+              <a:t>Place Order</a:t>
             </a:r>
           </a:p>
         </p:txBody>
@@ -4485,8 +4455,8 @@
         </p:nvSpPr>
         <p:spPr>
           <a:xfrm>
-            <a:off x="8693944" y="3177784"/>
-            <a:ext cx="2814637" cy="1200329"/>
+            <a:off x="8579644" y="2357437"/>
+            <a:ext cx="2814637" cy="923330"/>
           </a:xfrm>
           <a:prstGeom prst="rect">
             <a:avLst/>
@@ -4514,19 +4484,8 @@
               <a:buChar char="•"/>
             </a:pPr>
             <a:r>
-              <a:rPr lang="en-US" dirty="0" err="1"/>
-              <a:t>ShoppingCart</a:t>
-            </a:r>
-            <a:endParaRPr lang="en-US" dirty="0"/>
-          </a:p>
-          <a:p>
-            <a:pPr marL="742950" lvl="1" indent="-285750">
-              <a:buFont typeface="Arial" panose="020B0604020202020204" pitchFamily="34" charset="0"/>
-              <a:buChar char="•"/>
-            </a:pPr>
-            <a:r>
-              <a:rPr lang="en-US" dirty="0"/>
-              <a:t>Customer</a:t>
+              <a:rPr lang="en-US" dirty="0"/>
+              <a:t>Order</a:t>
             </a:r>
           </a:p>
           <a:p>
@@ -4555,8 +4514,8 @@
         </p:nvSpPr>
         <p:spPr>
           <a:xfrm>
-            <a:off x="8758238" y="4500563"/>
-            <a:ext cx="2814637" cy="646331"/>
+            <a:off x="8579643" y="3291416"/>
+            <a:ext cx="2814637" cy="1477328"/>
           </a:xfrm>
           <a:prstGeom prst="rect">
             <a:avLst/>
@@ -4584,10 +4543,40 @@
               <a:buChar char="•"/>
             </a:pPr>
             <a:r>
+              <a:rPr lang="en-US" dirty="0"/>
+              <a:t>Review</a:t>
+            </a:r>
+          </a:p>
+          <a:p>
+            <a:pPr marL="742950" lvl="1" indent="-285750">
+              <a:buFont typeface="Arial" panose="020B0604020202020204" pitchFamily="34" charset="0"/>
+              <a:buChar char="•"/>
+            </a:pPr>
+            <a:r>
+              <a:rPr lang="en-US" dirty="0"/>
+              <a:t>Warehouse</a:t>
+            </a:r>
+          </a:p>
+          <a:p>
+            <a:pPr marL="742950" lvl="1" indent="-285750">
+              <a:buFont typeface="Arial" panose="020B0604020202020204" pitchFamily="34" charset="0"/>
+              <a:buChar char="•"/>
+            </a:pPr>
+            <a:r>
               <a:rPr lang="en-US" dirty="0" err="1"/>
-              <a:t>Cartline</a:t>
+              <a:t>Orderline</a:t>
             </a:r>
             <a:endParaRPr lang="en-US" dirty="0"/>
+          </a:p>
+          <a:p>
+            <a:pPr marL="742950" lvl="1" indent="-285750">
+              <a:buFont typeface="Arial" panose="020B0604020202020204" pitchFamily="34" charset="0"/>
+              <a:buChar char="•"/>
+            </a:pPr>
+            <a:r>
+              <a:rPr lang="en-US" dirty="0"/>
+              <a:t>Address</a:t>
+            </a:r>
           </a:p>
         </p:txBody>
       </p:sp>
@@ -9581,7 +9570,7 @@
         </p:blipFill>
         <p:spPr>
           <a:xfrm>
-            <a:off x="421656" y="339880"/>
+            <a:off x="434356" y="352580"/>
             <a:ext cx="6115050" cy="5657850"/>
           </a:xfrm>
           <a:prstGeom prst="rect">
